--- a/DSC.pptx
+++ b/DSC.pptx
@@ -448,7 +448,7 @@
           <a:p>
             <a:fld id="{45C7C351-B0CE-493F-A6CE-2DD9F63FEA6D}" type="datetimeFigureOut">
               <a:rPr lang="en-GB" smtClean="0"/>
-              <a:t>26/04/2018</a:t>
+              <a:t>28/08/2018</a:t>
             </a:fld>
             <a:endParaRPr lang="en-GB"/>
           </a:p>
@@ -625,7 +625,7 @@
           <a:p>
             <a:fld id="{3C1CD153-15DE-46E9-BB45-7F70E88D2337}" type="datetimeFigureOut">
               <a:rPr lang="nl-BE" smtClean="0"/>
-              <a:t>26/04/2018</a:t>
+              <a:t>28/08/2018</a:t>
             </a:fld>
             <a:endParaRPr lang="nl-BE" dirty="0"/>
           </a:p>
@@ -3024,7 +3024,7 @@
           <a:p>
             <a:fld id="{21F21368-17C6-4870-9BCB-BC49B72EC322}" type="datetimeFigureOut">
               <a:rPr lang="nl-BE" smtClean="0"/>
-              <a:t>26/04/2018</a:t>
+              <a:t>28/08/2018</a:t>
             </a:fld>
             <a:endParaRPr lang="nl-BE" dirty="0"/>
           </a:p>
@@ -3194,7 +3194,7 @@
           <a:p>
             <a:fld id="{21F21368-17C6-4870-9BCB-BC49B72EC322}" type="datetimeFigureOut">
               <a:rPr lang="nl-BE" smtClean="0"/>
-              <a:t>26/04/2018</a:t>
+              <a:t>28/08/2018</a:t>
             </a:fld>
             <a:endParaRPr lang="nl-BE" dirty="0"/>
           </a:p>
@@ -3374,7 +3374,7 @@
           <a:p>
             <a:fld id="{21F21368-17C6-4870-9BCB-BC49B72EC322}" type="datetimeFigureOut">
               <a:rPr lang="nl-BE" smtClean="0"/>
-              <a:t>26/04/2018</a:t>
+              <a:t>28/08/2018</a:t>
             </a:fld>
             <a:endParaRPr lang="nl-BE" dirty="0"/>
           </a:p>
@@ -3888,7 +3888,7 @@
           <a:p>
             <a:fld id="{21F21368-17C6-4870-9BCB-BC49B72EC322}" type="datetimeFigureOut">
               <a:rPr lang="nl-BE" smtClean="0"/>
-              <a:t>26/04/2018</a:t>
+              <a:t>28/08/2018</a:t>
             </a:fld>
             <a:endParaRPr lang="nl-BE" dirty="0"/>
           </a:p>
@@ -4134,7 +4134,7 @@
           <a:p>
             <a:fld id="{21F21368-17C6-4870-9BCB-BC49B72EC322}" type="datetimeFigureOut">
               <a:rPr lang="nl-BE" smtClean="0"/>
-              <a:t>26/04/2018</a:t>
+              <a:t>28/08/2018</a:t>
             </a:fld>
             <a:endParaRPr lang="nl-BE" dirty="0"/>
           </a:p>
@@ -4366,7 +4366,7 @@
           <a:p>
             <a:fld id="{21F21368-17C6-4870-9BCB-BC49B72EC322}" type="datetimeFigureOut">
               <a:rPr lang="nl-BE" smtClean="0"/>
-              <a:t>26/04/2018</a:t>
+              <a:t>28/08/2018</a:t>
             </a:fld>
             <a:endParaRPr lang="nl-BE" dirty="0"/>
           </a:p>
@@ -4733,7 +4733,7 @@
           <a:p>
             <a:fld id="{21F21368-17C6-4870-9BCB-BC49B72EC322}" type="datetimeFigureOut">
               <a:rPr lang="nl-BE" smtClean="0"/>
-              <a:t>26/04/2018</a:t>
+              <a:t>28/08/2018</a:t>
             </a:fld>
             <a:endParaRPr lang="nl-BE" dirty="0"/>
           </a:p>
@@ -4851,7 +4851,7 @@
           <a:p>
             <a:fld id="{21F21368-17C6-4870-9BCB-BC49B72EC322}" type="datetimeFigureOut">
               <a:rPr lang="nl-BE" smtClean="0"/>
-              <a:t>26/04/2018</a:t>
+              <a:t>28/08/2018</a:t>
             </a:fld>
             <a:endParaRPr lang="nl-BE" dirty="0"/>
           </a:p>
@@ -4946,7 +4946,7 @@
           <a:p>
             <a:fld id="{21F21368-17C6-4870-9BCB-BC49B72EC322}" type="datetimeFigureOut">
               <a:rPr lang="nl-BE" smtClean="0"/>
-              <a:t>26/04/2018</a:t>
+              <a:t>28/08/2018</a:t>
             </a:fld>
             <a:endParaRPr lang="nl-BE" dirty="0"/>
           </a:p>
@@ -5223,7 +5223,7 @@
           <a:p>
             <a:fld id="{21F21368-17C6-4870-9BCB-BC49B72EC322}" type="datetimeFigureOut">
               <a:rPr lang="nl-BE" smtClean="0"/>
-              <a:t>26/04/2018</a:t>
+              <a:t>28/08/2018</a:t>
             </a:fld>
             <a:endParaRPr lang="nl-BE" dirty="0"/>
           </a:p>
@@ -5479,7 +5479,7 @@
           <a:p>
             <a:fld id="{21F21368-17C6-4870-9BCB-BC49B72EC322}" type="datetimeFigureOut">
               <a:rPr lang="nl-BE" smtClean="0"/>
-              <a:t>26/04/2018</a:t>
+              <a:t>28/08/2018</a:t>
             </a:fld>
             <a:endParaRPr lang="nl-BE" dirty="0"/>
           </a:p>
@@ -5692,7 +5692,7 @@
           <a:p>
             <a:fld id="{21F21368-17C6-4870-9BCB-BC49B72EC322}" type="datetimeFigureOut">
               <a:rPr lang="nl-BE" smtClean="0"/>
-              <a:t>26/04/2018</a:t>
+              <a:t>28/08/2018</a:t>
             </a:fld>
             <a:endParaRPr lang="nl-BE" dirty="0"/>
           </a:p>
@@ -12229,14 +12229,32 @@
           <a:lstStyle/>
           <a:p>
             <a:r>
-              <a:rPr lang="en-GB" dirty="0"/>
-              <a:t>All course material is distributed by USB</a:t>
-            </a:r>
-          </a:p>
-          <a:p>
-            <a:r>
-              <a:rPr lang="en-GB" dirty="0"/>
-              <a:t>About the examples:</a:t>
+              <a:rPr lang="en-GB"/>
+              <a:t>All course material can be found on</a:t>
+            </a:r>
+            <a:br>
+              <a:rPr lang="en-GB"/>
+            </a:br>
+            <a:r>
+              <a:rPr lang="en-GB"/>
+              <a:t>			</a:t>
+            </a:r>
+            <a:r>
+              <a:rPr lang="en-GB">
+                <a:hlinkClick r:id="rId2"/>
+              </a:rPr>
+              <a:t>https://github.com/mjochen/PS-DSC-Course</a:t>
+            </a:r>
+            <a:endParaRPr lang="en-GB"/>
+          </a:p>
+          <a:p>
+            <a:r>
+              <a:rPr lang="en-GB"/>
+              <a:t>About </a:t>
+            </a:r>
+            <a:r>
+              <a:rPr lang="en-GB" dirty="0"/>
+              <a:t>the examples:</a:t>
             </a:r>
           </a:p>
           <a:p>
@@ -25614,7 +25632,15 @@
             <a:pPr lvl="1"/>
             <a:r>
               <a:rPr lang="en-GB" dirty="0"/>
-              <a:t>Questions (not to difficult)</a:t>
+              <a:t>Questions (</a:t>
+            </a:r>
+            <a:r>
+              <a:rPr lang="en-GB"/>
+              <a:t>not too </a:t>
+            </a:r>
+            <a:r>
+              <a:rPr lang="en-GB" dirty="0"/>
+              <a:t>difficult)</a:t>
             </a:r>
           </a:p>
           <a:p>
